--- a/Daimler_revised.pptx
+++ b/Daimler_revised.pptx
@@ -1,14 +1,20 @@
 
 <file path=ppt/presentation.xml><?xml version="1.0" encoding="utf-8"?>
-<p:presentation xmlns:a="http://schemas.openxmlformats.org/drawingml/2006/main" xmlns:r="http://schemas.openxmlformats.org/officeDocument/2006/relationships" xmlns:p="http://schemas.openxmlformats.org/presentationml/2006/main" saveSubsetFonts="1">
+<p:presentation xmlns:a="http://schemas.openxmlformats.org/drawingml/2006/main" xmlns:r="http://schemas.openxmlformats.org/officeDocument/2006/relationships" xmlns:p="http://schemas.openxmlformats.org/presentationml/2006/main">
   <p:sldMasterIdLst>
     <p:sldMasterId id="2147483648" r:id="rId1"/>
   </p:sldMasterIdLst>
   <p:sldIdLst>
-    <p:sldId id="257" r:id="rId2"/>
-    <p:sldId id="258" r:id="rId3"/>
-    <p:sldId id="260" r:id="rId4"/>
-    <p:sldId id="259" r:id="rId5"/>
+    <p:sldId id="257" r:id="rId3"/>
+    <p:sldId id="262" r:id="rId4"/>
+    <p:sldId id="263" r:id="rId5"/>
+    <p:sldId id="264" r:id="rId6"/>
+    <p:sldId id="265" r:id="rId7"/>
+    <p:sldId id="266" r:id="rId8"/>
+    <p:sldId id="267" r:id="rId9"/>
+    <p:sldId id="258" r:id="rId10"/>
+    <p:sldId id="260" r:id="rId11"/>
+    <p:sldId id="259" r:id="rId12"/>
   </p:sldIdLst>
   <p:sldSz cx="12192000" cy="6858000"/>
   <p:notesSz cx="6858000" cy="9144000"/>
@@ -241,7 +247,6 @@
           <a:p>
             <a:fld id="{29CD1BEB-657D-4C1A-A78D-E4CD861B083E}" type="datetimeFigureOut">
               <a:rPr lang="zh-TW" altLang="en-US" smtClean="0"/>
-              <a:t>2020/5/23</a:t>
             </a:fld>
             <a:endParaRPr lang="zh-TW" altLang="en-US"/>
           </a:p>
@@ -283,18 +288,12 @@
           <a:p>
             <a:fld id="{9762EDAF-4239-4C5F-9D91-94BFFB0D3473}" type="slidenum">
               <a:rPr lang="zh-TW" altLang="en-US" smtClean="0"/>
-              <a:t>‹#›</a:t>
             </a:fld>
             <a:endParaRPr lang="zh-TW" altLang="en-US"/>
           </a:p>
         </p:txBody>
       </p:sp>
     </p:spTree>
-    <p:extLst>
-      <p:ext uri="{BB962C8B-B14F-4D97-AF65-F5344CB8AC3E}">
-        <p14:creationId xmlns:p14="http://schemas.microsoft.com/office/powerpoint/2010/main" val="1539610451"/>
-      </p:ext>
-    </p:extLst>
   </p:cSld>
   <p:clrMapOvr>
     <a:masterClrMapping/>
@@ -349,7 +348,7 @@
             <a:spLocks noGrp="1"/>
           </p:cNvSpPr>
           <p:nvPr>
-            <p:ph type="body" orient="vert" idx="1"/>
+            <p:ph type="body" orient="vert" idx="1" hasCustomPrompt="1"/>
           </p:nvPr>
         </p:nvSpPr>
         <p:spPr/>
@@ -362,6 +361,7 @@
               <a:rPr lang="zh-TW" altLang="en-US" smtClean="0"/>
               <a:t>編輯母片文字樣式</a:t>
             </a:r>
+            <a:endParaRPr lang="zh-TW" altLang="en-US" smtClean="0"/>
           </a:p>
           <a:p>
             <a:pPr lvl="1"/>
@@ -369,6 +369,7 @@
               <a:rPr lang="zh-TW" altLang="en-US" smtClean="0"/>
               <a:t>第二層</a:t>
             </a:r>
+            <a:endParaRPr lang="zh-TW" altLang="en-US" smtClean="0"/>
           </a:p>
           <a:p>
             <a:pPr lvl="2"/>
@@ -376,6 +377,7 @@
               <a:rPr lang="zh-TW" altLang="en-US" smtClean="0"/>
               <a:t>第三層</a:t>
             </a:r>
+            <a:endParaRPr lang="zh-TW" altLang="en-US" smtClean="0"/>
           </a:p>
           <a:p>
             <a:pPr lvl="3"/>
@@ -383,6 +385,7 @@
               <a:rPr lang="zh-TW" altLang="en-US" smtClean="0"/>
               <a:t>第四層</a:t>
             </a:r>
+            <a:endParaRPr lang="zh-TW" altLang="en-US" smtClean="0"/>
           </a:p>
           <a:p>
             <a:pPr lvl="4"/>
@@ -411,7 +414,6 @@
           <a:p>
             <a:fld id="{29CD1BEB-657D-4C1A-A78D-E4CD861B083E}" type="datetimeFigureOut">
               <a:rPr lang="zh-TW" altLang="en-US" smtClean="0"/>
-              <a:t>2020/5/23</a:t>
             </a:fld>
             <a:endParaRPr lang="zh-TW" altLang="en-US"/>
           </a:p>
@@ -453,18 +455,12 @@
           <a:p>
             <a:fld id="{9762EDAF-4239-4C5F-9D91-94BFFB0D3473}" type="slidenum">
               <a:rPr lang="zh-TW" altLang="en-US" smtClean="0"/>
-              <a:t>‹#›</a:t>
             </a:fld>
             <a:endParaRPr lang="zh-TW" altLang="en-US"/>
           </a:p>
         </p:txBody>
       </p:sp>
     </p:spTree>
-    <p:extLst>
-      <p:ext uri="{BB962C8B-B14F-4D97-AF65-F5344CB8AC3E}">
-        <p14:creationId xmlns:p14="http://schemas.microsoft.com/office/powerpoint/2010/main" val="3462489383"/>
-      </p:ext>
-    </p:extLst>
   </p:cSld>
   <p:clrMapOvr>
     <a:masterClrMapping/>
@@ -524,7 +520,7 @@
             <a:spLocks noGrp="1"/>
           </p:cNvSpPr>
           <p:nvPr>
-            <p:ph type="body" orient="vert" idx="1"/>
+            <p:ph type="body" orient="vert" idx="1" hasCustomPrompt="1"/>
           </p:nvPr>
         </p:nvSpPr>
         <p:spPr>
@@ -542,6 +538,7 @@
               <a:rPr lang="zh-TW" altLang="en-US" smtClean="0"/>
               <a:t>編輯母片文字樣式</a:t>
             </a:r>
+            <a:endParaRPr lang="zh-TW" altLang="en-US" smtClean="0"/>
           </a:p>
           <a:p>
             <a:pPr lvl="1"/>
@@ -549,6 +546,7 @@
               <a:rPr lang="zh-TW" altLang="en-US" smtClean="0"/>
               <a:t>第二層</a:t>
             </a:r>
+            <a:endParaRPr lang="zh-TW" altLang="en-US" smtClean="0"/>
           </a:p>
           <a:p>
             <a:pPr lvl="2"/>
@@ -556,6 +554,7 @@
               <a:rPr lang="zh-TW" altLang="en-US" smtClean="0"/>
               <a:t>第三層</a:t>
             </a:r>
+            <a:endParaRPr lang="zh-TW" altLang="en-US" smtClean="0"/>
           </a:p>
           <a:p>
             <a:pPr lvl="3"/>
@@ -563,6 +562,7 @@
               <a:rPr lang="zh-TW" altLang="en-US" smtClean="0"/>
               <a:t>第四層</a:t>
             </a:r>
+            <a:endParaRPr lang="zh-TW" altLang="en-US" smtClean="0"/>
           </a:p>
           <a:p>
             <a:pPr lvl="4"/>
@@ -591,7 +591,6 @@
           <a:p>
             <a:fld id="{29CD1BEB-657D-4C1A-A78D-E4CD861B083E}" type="datetimeFigureOut">
               <a:rPr lang="zh-TW" altLang="en-US" smtClean="0"/>
-              <a:t>2020/5/23</a:t>
             </a:fld>
             <a:endParaRPr lang="zh-TW" altLang="en-US"/>
           </a:p>
@@ -633,18 +632,12 @@
           <a:p>
             <a:fld id="{9762EDAF-4239-4C5F-9D91-94BFFB0D3473}" type="slidenum">
               <a:rPr lang="zh-TW" altLang="en-US" smtClean="0"/>
-              <a:t>‹#›</a:t>
             </a:fld>
             <a:endParaRPr lang="zh-TW" altLang="en-US"/>
           </a:p>
         </p:txBody>
       </p:sp>
     </p:spTree>
-    <p:extLst>
-      <p:ext uri="{BB962C8B-B14F-4D97-AF65-F5344CB8AC3E}">
-        <p14:creationId xmlns:p14="http://schemas.microsoft.com/office/powerpoint/2010/main" val="904849308"/>
-      </p:ext>
-    </p:extLst>
   </p:cSld>
   <p:clrMapOvr>
     <a:masterClrMapping/>
@@ -699,7 +692,7 @@
             <a:spLocks noGrp="1"/>
           </p:cNvSpPr>
           <p:nvPr>
-            <p:ph idx="1"/>
+            <p:ph idx="1" hasCustomPrompt="1"/>
           </p:nvPr>
         </p:nvSpPr>
         <p:spPr/>
@@ -712,6 +705,7 @@
               <a:rPr lang="zh-TW" altLang="en-US" smtClean="0"/>
               <a:t>編輯母片文字樣式</a:t>
             </a:r>
+            <a:endParaRPr lang="zh-TW" altLang="en-US" smtClean="0"/>
           </a:p>
           <a:p>
             <a:pPr lvl="1"/>
@@ -719,6 +713,7 @@
               <a:rPr lang="zh-TW" altLang="en-US" smtClean="0"/>
               <a:t>第二層</a:t>
             </a:r>
+            <a:endParaRPr lang="zh-TW" altLang="en-US" smtClean="0"/>
           </a:p>
           <a:p>
             <a:pPr lvl="2"/>
@@ -726,6 +721,7 @@
               <a:rPr lang="zh-TW" altLang="en-US" smtClean="0"/>
               <a:t>第三層</a:t>
             </a:r>
+            <a:endParaRPr lang="zh-TW" altLang="en-US" smtClean="0"/>
           </a:p>
           <a:p>
             <a:pPr lvl="3"/>
@@ -733,6 +729,7 @@
               <a:rPr lang="zh-TW" altLang="en-US" smtClean="0"/>
               <a:t>第四層</a:t>
             </a:r>
+            <a:endParaRPr lang="zh-TW" altLang="en-US" smtClean="0"/>
           </a:p>
           <a:p>
             <a:pPr lvl="4"/>
@@ -761,7 +758,6 @@
           <a:p>
             <a:fld id="{29CD1BEB-657D-4C1A-A78D-E4CD861B083E}" type="datetimeFigureOut">
               <a:rPr lang="zh-TW" altLang="en-US" smtClean="0"/>
-              <a:t>2020/5/23</a:t>
             </a:fld>
             <a:endParaRPr lang="zh-TW" altLang="en-US"/>
           </a:p>
@@ -803,18 +799,12 @@
           <a:p>
             <a:fld id="{9762EDAF-4239-4C5F-9D91-94BFFB0D3473}" type="slidenum">
               <a:rPr lang="zh-TW" altLang="en-US" smtClean="0"/>
-              <a:t>‹#›</a:t>
             </a:fld>
             <a:endParaRPr lang="zh-TW" altLang="en-US"/>
           </a:p>
         </p:txBody>
       </p:sp>
     </p:spTree>
-    <p:extLst>
-      <p:ext uri="{BB962C8B-B14F-4D97-AF65-F5344CB8AC3E}">
-        <p14:creationId xmlns:p14="http://schemas.microsoft.com/office/powerpoint/2010/main" val="3318894469"/>
-      </p:ext>
-    </p:extLst>
   </p:cSld>
   <p:clrMapOvr>
     <a:masterClrMapping/>
@@ -878,7 +868,7 @@
             <a:spLocks noGrp="1"/>
           </p:cNvSpPr>
           <p:nvPr>
-            <p:ph type="body" idx="1"/>
+            <p:ph type="body" idx="1" hasCustomPrompt="1"/>
           </p:nvPr>
         </p:nvSpPr>
         <p:spPr>
@@ -987,6 +977,7 @@
               <a:rPr lang="zh-TW" altLang="en-US" smtClean="0"/>
               <a:t>編輯母片文字樣式</a:t>
             </a:r>
+            <a:endParaRPr lang="zh-TW" altLang="en-US" smtClean="0"/>
           </a:p>
         </p:txBody>
       </p:sp>
@@ -1007,7 +998,6 @@
           <a:p>
             <a:fld id="{29CD1BEB-657D-4C1A-A78D-E4CD861B083E}" type="datetimeFigureOut">
               <a:rPr lang="zh-TW" altLang="en-US" smtClean="0"/>
-              <a:t>2020/5/23</a:t>
             </a:fld>
             <a:endParaRPr lang="zh-TW" altLang="en-US"/>
           </a:p>
@@ -1049,18 +1039,12 @@
           <a:p>
             <a:fld id="{9762EDAF-4239-4C5F-9D91-94BFFB0D3473}" type="slidenum">
               <a:rPr lang="zh-TW" altLang="en-US" smtClean="0"/>
-              <a:t>‹#›</a:t>
             </a:fld>
             <a:endParaRPr lang="zh-TW" altLang="en-US"/>
           </a:p>
         </p:txBody>
       </p:sp>
     </p:spTree>
-    <p:extLst>
-      <p:ext uri="{BB962C8B-B14F-4D97-AF65-F5344CB8AC3E}">
-        <p14:creationId xmlns:p14="http://schemas.microsoft.com/office/powerpoint/2010/main" val="1405661357"/>
-      </p:ext>
-    </p:extLst>
   </p:cSld>
   <p:clrMapOvr>
     <a:masterClrMapping/>
@@ -1115,7 +1099,7 @@
             <a:spLocks noGrp="1"/>
           </p:cNvSpPr>
           <p:nvPr>
-            <p:ph sz="half" idx="1"/>
+            <p:ph sz="half" idx="1" hasCustomPrompt="1"/>
           </p:nvPr>
         </p:nvSpPr>
         <p:spPr>
@@ -1133,6 +1117,7 @@
               <a:rPr lang="zh-TW" altLang="en-US" smtClean="0"/>
               <a:t>編輯母片文字樣式</a:t>
             </a:r>
+            <a:endParaRPr lang="zh-TW" altLang="en-US" smtClean="0"/>
           </a:p>
           <a:p>
             <a:pPr lvl="1"/>
@@ -1140,6 +1125,7 @@
               <a:rPr lang="zh-TW" altLang="en-US" smtClean="0"/>
               <a:t>第二層</a:t>
             </a:r>
+            <a:endParaRPr lang="zh-TW" altLang="en-US" smtClean="0"/>
           </a:p>
           <a:p>
             <a:pPr lvl="2"/>
@@ -1147,6 +1133,7 @@
               <a:rPr lang="zh-TW" altLang="en-US" smtClean="0"/>
               <a:t>第三層</a:t>
             </a:r>
+            <a:endParaRPr lang="zh-TW" altLang="en-US" smtClean="0"/>
           </a:p>
           <a:p>
             <a:pPr lvl="3"/>
@@ -1154,6 +1141,7 @@
               <a:rPr lang="zh-TW" altLang="en-US" smtClean="0"/>
               <a:t>第四層</a:t>
             </a:r>
+            <a:endParaRPr lang="zh-TW" altLang="en-US" smtClean="0"/>
           </a:p>
           <a:p>
             <a:pPr lvl="4"/>
@@ -1172,7 +1160,7 @@
             <a:spLocks noGrp="1"/>
           </p:cNvSpPr>
           <p:nvPr>
-            <p:ph sz="half" idx="2"/>
+            <p:ph sz="half" idx="2" hasCustomPrompt="1"/>
           </p:nvPr>
         </p:nvSpPr>
         <p:spPr>
@@ -1190,6 +1178,7 @@
               <a:rPr lang="zh-TW" altLang="en-US" smtClean="0"/>
               <a:t>編輯母片文字樣式</a:t>
             </a:r>
+            <a:endParaRPr lang="zh-TW" altLang="en-US" smtClean="0"/>
           </a:p>
           <a:p>
             <a:pPr lvl="1"/>
@@ -1197,6 +1186,7 @@
               <a:rPr lang="zh-TW" altLang="en-US" smtClean="0"/>
               <a:t>第二層</a:t>
             </a:r>
+            <a:endParaRPr lang="zh-TW" altLang="en-US" smtClean="0"/>
           </a:p>
           <a:p>
             <a:pPr lvl="2"/>
@@ -1204,6 +1194,7 @@
               <a:rPr lang="zh-TW" altLang="en-US" smtClean="0"/>
               <a:t>第三層</a:t>
             </a:r>
+            <a:endParaRPr lang="zh-TW" altLang="en-US" smtClean="0"/>
           </a:p>
           <a:p>
             <a:pPr lvl="3"/>
@@ -1211,6 +1202,7 @@
               <a:rPr lang="zh-TW" altLang="en-US" smtClean="0"/>
               <a:t>第四層</a:t>
             </a:r>
+            <a:endParaRPr lang="zh-TW" altLang="en-US" smtClean="0"/>
           </a:p>
           <a:p>
             <a:pPr lvl="4"/>
@@ -1239,7 +1231,6 @@
           <a:p>
             <a:fld id="{29CD1BEB-657D-4C1A-A78D-E4CD861B083E}" type="datetimeFigureOut">
               <a:rPr lang="zh-TW" altLang="en-US" smtClean="0"/>
-              <a:t>2020/5/23</a:t>
             </a:fld>
             <a:endParaRPr lang="zh-TW" altLang="en-US"/>
           </a:p>
@@ -1281,18 +1272,12 @@
           <a:p>
             <a:fld id="{9762EDAF-4239-4C5F-9D91-94BFFB0D3473}" type="slidenum">
               <a:rPr lang="zh-TW" altLang="en-US" smtClean="0"/>
-              <a:t>‹#›</a:t>
             </a:fld>
             <a:endParaRPr lang="zh-TW" altLang="en-US"/>
           </a:p>
         </p:txBody>
       </p:sp>
     </p:spTree>
-    <p:extLst>
-      <p:ext uri="{BB962C8B-B14F-4D97-AF65-F5344CB8AC3E}">
-        <p14:creationId xmlns:p14="http://schemas.microsoft.com/office/powerpoint/2010/main" val="3450426871"/>
-      </p:ext>
-    </p:extLst>
   </p:cSld>
   <p:clrMapOvr>
     <a:masterClrMapping/>
@@ -1352,7 +1337,7 @@
             <a:spLocks noGrp="1"/>
           </p:cNvSpPr>
           <p:nvPr>
-            <p:ph type="body" idx="1"/>
+            <p:ph type="body" idx="1" hasCustomPrompt="1"/>
           </p:nvPr>
         </p:nvSpPr>
         <p:spPr>
@@ -1407,6 +1392,7 @@
               <a:rPr lang="zh-TW" altLang="en-US" smtClean="0"/>
               <a:t>編輯母片文字樣式</a:t>
             </a:r>
+            <a:endParaRPr lang="zh-TW" altLang="en-US" smtClean="0"/>
           </a:p>
         </p:txBody>
       </p:sp>
@@ -1417,7 +1403,7 @@
             <a:spLocks noGrp="1"/>
           </p:cNvSpPr>
           <p:nvPr>
-            <p:ph sz="half" idx="2"/>
+            <p:ph sz="half" idx="2" hasCustomPrompt="1"/>
           </p:nvPr>
         </p:nvSpPr>
         <p:spPr>
@@ -1435,6 +1421,7 @@
               <a:rPr lang="zh-TW" altLang="en-US" smtClean="0"/>
               <a:t>編輯母片文字樣式</a:t>
             </a:r>
+            <a:endParaRPr lang="zh-TW" altLang="en-US" smtClean="0"/>
           </a:p>
           <a:p>
             <a:pPr lvl="1"/>
@@ -1442,6 +1429,7 @@
               <a:rPr lang="zh-TW" altLang="en-US" smtClean="0"/>
               <a:t>第二層</a:t>
             </a:r>
+            <a:endParaRPr lang="zh-TW" altLang="en-US" smtClean="0"/>
           </a:p>
           <a:p>
             <a:pPr lvl="2"/>
@@ -1449,6 +1437,7 @@
               <a:rPr lang="zh-TW" altLang="en-US" smtClean="0"/>
               <a:t>第三層</a:t>
             </a:r>
+            <a:endParaRPr lang="zh-TW" altLang="en-US" smtClean="0"/>
           </a:p>
           <a:p>
             <a:pPr lvl="3"/>
@@ -1456,6 +1445,7 @@
               <a:rPr lang="zh-TW" altLang="en-US" smtClean="0"/>
               <a:t>第四層</a:t>
             </a:r>
+            <a:endParaRPr lang="zh-TW" altLang="en-US" smtClean="0"/>
           </a:p>
           <a:p>
             <a:pPr lvl="4"/>
@@ -1474,7 +1464,7 @@
             <a:spLocks noGrp="1"/>
           </p:cNvSpPr>
           <p:nvPr>
-            <p:ph type="body" sz="quarter" idx="3"/>
+            <p:ph type="body" sz="quarter" idx="3" hasCustomPrompt="1"/>
           </p:nvPr>
         </p:nvSpPr>
         <p:spPr>
@@ -1529,6 +1519,7 @@
               <a:rPr lang="zh-TW" altLang="en-US" smtClean="0"/>
               <a:t>編輯母片文字樣式</a:t>
             </a:r>
+            <a:endParaRPr lang="zh-TW" altLang="en-US" smtClean="0"/>
           </a:p>
         </p:txBody>
       </p:sp>
@@ -1539,7 +1530,7 @@
             <a:spLocks noGrp="1"/>
           </p:cNvSpPr>
           <p:nvPr>
-            <p:ph sz="quarter" idx="4"/>
+            <p:ph sz="quarter" idx="4" hasCustomPrompt="1"/>
           </p:nvPr>
         </p:nvSpPr>
         <p:spPr>
@@ -1557,6 +1548,7 @@
               <a:rPr lang="zh-TW" altLang="en-US" smtClean="0"/>
               <a:t>編輯母片文字樣式</a:t>
             </a:r>
+            <a:endParaRPr lang="zh-TW" altLang="en-US" smtClean="0"/>
           </a:p>
           <a:p>
             <a:pPr lvl="1"/>
@@ -1564,6 +1556,7 @@
               <a:rPr lang="zh-TW" altLang="en-US" smtClean="0"/>
               <a:t>第二層</a:t>
             </a:r>
+            <a:endParaRPr lang="zh-TW" altLang="en-US" smtClean="0"/>
           </a:p>
           <a:p>
             <a:pPr lvl="2"/>
@@ -1571,6 +1564,7 @@
               <a:rPr lang="zh-TW" altLang="en-US" smtClean="0"/>
               <a:t>第三層</a:t>
             </a:r>
+            <a:endParaRPr lang="zh-TW" altLang="en-US" smtClean="0"/>
           </a:p>
           <a:p>
             <a:pPr lvl="3"/>
@@ -1578,6 +1572,7 @@
               <a:rPr lang="zh-TW" altLang="en-US" smtClean="0"/>
               <a:t>第四層</a:t>
             </a:r>
+            <a:endParaRPr lang="zh-TW" altLang="en-US" smtClean="0"/>
           </a:p>
           <a:p>
             <a:pPr lvl="4"/>
@@ -1606,7 +1601,6 @@
           <a:p>
             <a:fld id="{29CD1BEB-657D-4C1A-A78D-E4CD861B083E}" type="datetimeFigureOut">
               <a:rPr lang="zh-TW" altLang="en-US" smtClean="0"/>
-              <a:t>2020/5/23</a:t>
             </a:fld>
             <a:endParaRPr lang="zh-TW" altLang="en-US"/>
           </a:p>
@@ -1648,18 +1642,12 @@
           <a:p>
             <a:fld id="{9762EDAF-4239-4C5F-9D91-94BFFB0D3473}" type="slidenum">
               <a:rPr lang="zh-TW" altLang="en-US" smtClean="0"/>
-              <a:t>‹#›</a:t>
             </a:fld>
             <a:endParaRPr lang="zh-TW" altLang="en-US"/>
           </a:p>
         </p:txBody>
       </p:sp>
     </p:spTree>
-    <p:extLst>
-      <p:ext uri="{BB962C8B-B14F-4D97-AF65-F5344CB8AC3E}">
-        <p14:creationId xmlns:p14="http://schemas.microsoft.com/office/powerpoint/2010/main" val="2085169681"/>
-      </p:ext>
-    </p:extLst>
   </p:cSld>
   <p:clrMapOvr>
     <a:masterClrMapping/>
@@ -1724,7 +1712,6 @@
           <a:p>
             <a:fld id="{29CD1BEB-657D-4C1A-A78D-E4CD861B083E}" type="datetimeFigureOut">
               <a:rPr lang="zh-TW" altLang="en-US" smtClean="0"/>
-              <a:t>2020/5/23</a:t>
             </a:fld>
             <a:endParaRPr lang="zh-TW" altLang="en-US"/>
           </a:p>
@@ -1766,18 +1753,12 @@
           <a:p>
             <a:fld id="{9762EDAF-4239-4C5F-9D91-94BFFB0D3473}" type="slidenum">
               <a:rPr lang="zh-TW" altLang="en-US" smtClean="0"/>
-              <a:t>‹#›</a:t>
             </a:fld>
             <a:endParaRPr lang="zh-TW" altLang="en-US"/>
           </a:p>
         </p:txBody>
       </p:sp>
     </p:spTree>
-    <p:extLst>
-      <p:ext uri="{BB962C8B-B14F-4D97-AF65-F5344CB8AC3E}">
-        <p14:creationId xmlns:p14="http://schemas.microsoft.com/office/powerpoint/2010/main" val="2872607463"/>
-      </p:ext>
-    </p:extLst>
   </p:cSld>
   <p:clrMapOvr>
     <a:masterClrMapping/>
@@ -1819,7 +1800,6 @@
           <a:p>
             <a:fld id="{29CD1BEB-657D-4C1A-A78D-E4CD861B083E}" type="datetimeFigureOut">
               <a:rPr lang="zh-TW" altLang="en-US" smtClean="0"/>
-              <a:t>2020/5/23</a:t>
             </a:fld>
             <a:endParaRPr lang="zh-TW" altLang="en-US"/>
           </a:p>
@@ -1861,18 +1841,12 @@
           <a:p>
             <a:fld id="{9762EDAF-4239-4C5F-9D91-94BFFB0D3473}" type="slidenum">
               <a:rPr lang="zh-TW" altLang="en-US" smtClean="0"/>
-              <a:t>‹#›</a:t>
             </a:fld>
             <a:endParaRPr lang="zh-TW" altLang="en-US"/>
           </a:p>
         </p:txBody>
       </p:sp>
     </p:spTree>
-    <p:extLst>
-      <p:ext uri="{BB962C8B-B14F-4D97-AF65-F5344CB8AC3E}">
-        <p14:creationId xmlns:p14="http://schemas.microsoft.com/office/powerpoint/2010/main" val="62966666"/>
-      </p:ext>
-    </p:extLst>
   </p:cSld>
   <p:clrMapOvr>
     <a:masterClrMapping/>
@@ -1936,7 +1910,7 @@
             <a:spLocks noGrp="1"/>
           </p:cNvSpPr>
           <p:nvPr>
-            <p:ph idx="1"/>
+            <p:ph idx="1" hasCustomPrompt="1"/>
           </p:nvPr>
         </p:nvSpPr>
         <p:spPr>
@@ -1982,6 +1956,7 @@
               <a:rPr lang="zh-TW" altLang="en-US" smtClean="0"/>
               <a:t>編輯母片文字樣式</a:t>
             </a:r>
+            <a:endParaRPr lang="zh-TW" altLang="en-US" smtClean="0"/>
           </a:p>
           <a:p>
             <a:pPr lvl="1"/>
@@ -1989,6 +1964,7 @@
               <a:rPr lang="zh-TW" altLang="en-US" smtClean="0"/>
               <a:t>第二層</a:t>
             </a:r>
+            <a:endParaRPr lang="zh-TW" altLang="en-US" smtClean="0"/>
           </a:p>
           <a:p>
             <a:pPr lvl="2"/>
@@ -1996,6 +1972,7 @@
               <a:rPr lang="zh-TW" altLang="en-US" smtClean="0"/>
               <a:t>第三層</a:t>
             </a:r>
+            <a:endParaRPr lang="zh-TW" altLang="en-US" smtClean="0"/>
           </a:p>
           <a:p>
             <a:pPr lvl="3"/>
@@ -2003,6 +1980,7 @@
               <a:rPr lang="zh-TW" altLang="en-US" smtClean="0"/>
               <a:t>第四層</a:t>
             </a:r>
+            <a:endParaRPr lang="zh-TW" altLang="en-US" smtClean="0"/>
           </a:p>
           <a:p>
             <a:pPr lvl="4"/>
@@ -2021,7 +1999,7 @@
             <a:spLocks noGrp="1"/>
           </p:cNvSpPr>
           <p:nvPr>
-            <p:ph type="body" sz="half" idx="2"/>
+            <p:ph type="body" sz="half" idx="2" hasCustomPrompt="1"/>
           </p:nvPr>
         </p:nvSpPr>
         <p:spPr>
@@ -2076,6 +2054,7 @@
               <a:rPr lang="zh-TW" altLang="en-US" smtClean="0"/>
               <a:t>編輯母片文字樣式</a:t>
             </a:r>
+            <a:endParaRPr lang="zh-TW" altLang="en-US" smtClean="0"/>
           </a:p>
         </p:txBody>
       </p:sp>
@@ -2096,7 +2075,6 @@
           <a:p>
             <a:fld id="{29CD1BEB-657D-4C1A-A78D-E4CD861B083E}" type="datetimeFigureOut">
               <a:rPr lang="zh-TW" altLang="en-US" smtClean="0"/>
-              <a:t>2020/5/23</a:t>
             </a:fld>
             <a:endParaRPr lang="zh-TW" altLang="en-US"/>
           </a:p>
@@ -2138,18 +2116,12 @@
           <a:p>
             <a:fld id="{9762EDAF-4239-4C5F-9D91-94BFFB0D3473}" type="slidenum">
               <a:rPr lang="zh-TW" altLang="en-US" smtClean="0"/>
-              <a:t>‹#›</a:t>
             </a:fld>
             <a:endParaRPr lang="zh-TW" altLang="en-US"/>
           </a:p>
         </p:txBody>
       </p:sp>
     </p:spTree>
-    <p:extLst>
-      <p:ext uri="{BB962C8B-B14F-4D97-AF65-F5344CB8AC3E}">
-        <p14:creationId xmlns:p14="http://schemas.microsoft.com/office/powerpoint/2010/main" val="4165174090"/>
-      </p:ext>
-    </p:extLst>
   </p:cSld>
   <p:clrMapOvr>
     <a:masterClrMapping/>
@@ -2274,7 +2246,7 @@
             <a:spLocks noGrp="1"/>
           </p:cNvSpPr>
           <p:nvPr>
-            <p:ph type="body" sz="half" idx="2"/>
+            <p:ph type="body" sz="half" idx="2" hasCustomPrompt="1"/>
           </p:nvPr>
         </p:nvSpPr>
         <p:spPr>
@@ -2329,6 +2301,7 @@
               <a:rPr lang="zh-TW" altLang="en-US" smtClean="0"/>
               <a:t>編輯母片文字樣式</a:t>
             </a:r>
+            <a:endParaRPr lang="zh-TW" altLang="en-US" smtClean="0"/>
           </a:p>
         </p:txBody>
       </p:sp>
@@ -2349,7 +2322,6 @@
           <a:p>
             <a:fld id="{29CD1BEB-657D-4C1A-A78D-E4CD861B083E}" type="datetimeFigureOut">
               <a:rPr lang="zh-TW" altLang="en-US" smtClean="0"/>
-              <a:t>2020/5/23</a:t>
             </a:fld>
             <a:endParaRPr lang="zh-TW" altLang="en-US"/>
           </a:p>
@@ -2391,18 +2363,12 @@
           <a:p>
             <a:fld id="{9762EDAF-4239-4C5F-9D91-94BFFB0D3473}" type="slidenum">
               <a:rPr lang="zh-TW" altLang="en-US" smtClean="0"/>
-              <a:t>‹#›</a:t>
             </a:fld>
             <a:endParaRPr lang="zh-TW" altLang="en-US"/>
           </a:p>
         </p:txBody>
       </p:sp>
     </p:spTree>
-    <p:extLst>
-      <p:ext uri="{BB962C8B-B14F-4D97-AF65-F5344CB8AC3E}">
-        <p14:creationId xmlns:p14="http://schemas.microsoft.com/office/powerpoint/2010/main" val="1646196196"/>
-      </p:ext>
-    </p:extLst>
   </p:cSld>
   <p:clrMapOvr>
     <a:masterClrMapping/>
@@ -2495,6 +2461,7 @@
               <a:rPr lang="zh-TW" altLang="en-US" smtClean="0"/>
               <a:t>編輯母片文字樣式</a:t>
             </a:r>
+            <a:endParaRPr lang="zh-TW" altLang="en-US" smtClean="0"/>
           </a:p>
           <a:p>
             <a:pPr lvl="1"/>
@@ -2502,6 +2469,7 @@
               <a:rPr lang="zh-TW" altLang="en-US" smtClean="0"/>
               <a:t>第二層</a:t>
             </a:r>
+            <a:endParaRPr lang="zh-TW" altLang="en-US" smtClean="0"/>
           </a:p>
           <a:p>
             <a:pPr lvl="2"/>
@@ -2509,6 +2477,7 @@
               <a:rPr lang="zh-TW" altLang="en-US" smtClean="0"/>
               <a:t>第三層</a:t>
             </a:r>
+            <a:endParaRPr lang="zh-TW" altLang="en-US" smtClean="0"/>
           </a:p>
           <a:p>
             <a:pPr lvl="3"/>
@@ -2516,6 +2485,7 @@
               <a:rPr lang="zh-TW" altLang="en-US" smtClean="0"/>
               <a:t>第四層</a:t>
             </a:r>
+            <a:endParaRPr lang="zh-TW" altLang="en-US" smtClean="0"/>
           </a:p>
           <a:p>
             <a:pPr lvl="4"/>
@@ -2562,7 +2532,6 @@
           <a:p>
             <a:fld id="{29CD1BEB-657D-4C1A-A78D-E4CD861B083E}" type="datetimeFigureOut">
               <a:rPr lang="zh-TW" altLang="en-US" smtClean="0"/>
-              <a:t>2020/5/23</a:t>
             </a:fld>
             <a:endParaRPr lang="zh-TW" altLang="en-US"/>
           </a:p>
@@ -2640,18 +2609,12 @@
           <a:p>
             <a:fld id="{9762EDAF-4239-4C5F-9D91-94BFFB0D3473}" type="slidenum">
               <a:rPr lang="zh-TW" altLang="en-US" smtClean="0"/>
-              <a:t>‹#›</a:t>
             </a:fld>
             <a:endParaRPr lang="zh-TW" altLang="en-US"/>
           </a:p>
         </p:txBody>
       </p:sp>
     </p:spTree>
-    <p:extLst>
-      <p:ext uri="{BB962C8B-B14F-4D97-AF65-F5344CB8AC3E}">
-        <p14:creationId xmlns:p14="http://schemas.microsoft.com/office/powerpoint/2010/main" val="3969178982"/>
-      </p:ext>
-    </p:extLst>
   </p:cSld>
   <p:clrMap bg1="lt1" tx1="dk1" bg2="lt2" tx2="dk2" accent1="accent1" accent2="accent2" accent3="accent3" accent4="accent4" accent5="accent5" accent6="accent6" hlink="hlink" folHlink="folHlink"/>
   <p:sldLayoutIdLst>
@@ -3009,16 +2972,119 @@
           <a:bodyPr/>
           <a:lstStyle/>
           <a:p>
+            <a:pPr marL="0" indent="0">
+              <a:buNone/>
+            </a:pPr>
+            <a:r>
+              <a:rPr lang="zh-TW" altLang="en-US" dirty="0"/>
+              <a:t>用之前的</a:t>
+            </a:r>
+            <a:r>
+              <a:rPr lang="en-US" altLang="zh-TW" dirty="0"/>
+              <a:t>Database</a:t>
+            </a:r>
+            <a:r>
+              <a:rPr lang="zh-TW" altLang="en-US" dirty="0"/>
+              <a:t>圖片</a:t>
+            </a:r>
+            <a:r>
+              <a:rPr lang="en-US" altLang="zh-TW" dirty="0"/>
+              <a:t>? </a:t>
+            </a:r>
+            <a:r>
+              <a:rPr lang="zh-TW" altLang="en-US" dirty="0"/>
+              <a:t>我貼在下面</a:t>
+            </a:r>
             <a:endParaRPr lang="zh-TW" altLang="en-US" dirty="0"/>
           </a:p>
         </p:txBody>
       </p:sp>
     </p:spTree>
-    <p:extLst>
-      <p:ext uri="{BB962C8B-B14F-4D97-AF65-F5344CB8AC3E}">
-        <p14:creationId xmlns:p14="http://schemas.microsoft.com/office/powerpoint/2010/main" val="956112623"/>
-      </p:ext>
-    </p:extLst>
+  </p:cSld>
+  <p:clrMapOvr>
+    <a:masterClrMapping/>
+  </p:clrMapOvr>
+</p:sld>
+</file>
+
+<file path=ppt/slides/slide10.xml><?xml version="1.0" encoding="utf-8"?>
+<p:sld xmlns:a="http://schemas.openxmlformats.org/drawingml/2006/main" xmlns:r="http://schemas.openxmlformats.org/officeDocument/2006/relationships" xmlns:p="http://schemas.openxmlformats.org/presentationml/2006/main">
+  <p:cSld>
+    <p:spTree>
+      <p:nvGrpSpPr>
+        <p:cNvPr id="1" name=""/>
+        <p:cNvGrpSpPr/>
+        <p:nvPr/>
+      </p:nvGrpSpPr>
+      <p:grpSpPr>
+        <a:xfrm>
+          <a:off x="0" y="0"/>
+          <a:ext cx="0" cy="0"/>
+          <a:chOff x="0" y="0"/>
+          <a:chExt cx="0" cy="0"/>
+        </a:xfrm>
+      </p:grpSpPr>
+      <p:sp>
+        <p:nvSpPr>
+          <p:cNvPr id="2" name="標題 1"/>
+          <p:cNvSpPr>
+            <a:spLocks noGrp="1"/>
+          </p:cNvSpPr>
+          <p:nvPr>
+            <p:ph type="title"/>
+          </p:nvPr>
+        </p:nvSpPr>
+        <p:spPr/>
+        <p:txBody>
+          <a:bodyPr/>
+          <a:lstStyle/>
+          <a:p>
+            <a:r>
+              <a:rPr lang="en-US" altLang="zh-TW" dirty="0" smtClean="0"/>
+              <a:t>Strengths of MMA</a:t>
+            </a:r>
+            <a:endParaRPr lang="zh-TW" altLang="en-US" dirty="0"/>
+          </a:p>
+        </p:txBody>
+      </p:sp>
+      <p:sp>
+        <p:nvSpPr>
+          <p:cNvPr id="3" name="內容版面配置區 2"/>
+          <p:cNvSpPr>
+            <a:spLocks noGrp="1"/>
+          </p:cNvSpPr>
+          <p:nvPr>
+            <p:ph idx="1"/>
+          </p:nvPr>
+        </p:nvSpPr>
+        <p:spPr/>
+        <p:txBody>
+          <a:bodyPr/>
+          <a:lstStyle/>
+          <a:p>
+            <a:r>
+              <a:rPr lang="en-US" altLang="zh-TW"/>
+              <a:t>Calculate the price based on the available car amount</a:t>
+            </a:r>
+            <a:endParaRPr lang="en-US" altLang="zh-TW"/>
+          </a:p>
+          <a:p>
+            <a:r>
+              <a:rPr lang="en-US" altLang="zh-TW"/>
+              <a:t>Easy to maintain, update the availability table periodically</a:t>
+            </a:r>
+            <a:endParaRPr lang="en-US" altLang="zh-TW"/>
+          </a:p>
+          <a:p>
+            <a:r>
+              <a:rPr lang="en-US" altLang="zh-TW"/>
+              <a:t>Quick algorithm to filter the available cars</a:t>
+            </a:r>
+            <a:endParaRPr lang="en-US" altLang="zh-TW"/>
+          </a:p>
+        </p:txBody>
+      </p:sp>
+    </p:spTree>
   </p:cSld>
   <p:clrMapOvr>
     <a:masterClrMapping/>
@@ -3055,14 +3121,20 @@
         </p:nvSpPr>
         <p:spPr/>
         <p:txBody>
-          <a:bodyPr/>
-          <a:lstStyle/>
-          <a:p>
-            <a:r>
-              <a:rPr lang="en-US" altLang="zh-TW" dirty="0" smtClean="0"/>
-              <a:t>Matchmaking Algorithm</a:t>
-            </a:r>
-            <a:endParaRPr lang="zh-TW" altLang="en-US" dirty="0"/>
+          <a:bodyPr>
+            <a:normAutofit/>
+          </a:bodyPr>
+          <a:lstStyle/>
+          <a:p>
+            <a:r>
+              <a:rPr lang="en-US" altLang="zh-TW" sz="2800" dirty="0"/>
+              <a:t>Database Schema-</a:t>
+            </a:r>
+            <a:r>
+              <a:rPr lang="en-US" altLang="zh-TW" sz="2000" dirty="0"/>
+              <a:t>Car System</a:t>
+            </a:r>
+            <a:endParaRPr lang="zh-TW" altLang="en-US" sz="2000" dirty="0"/>
           </a:p>
         </p:txBody>
       </p:sp>
@@ -3076,25 +3148,230 @@
             <p:ph idx="1"/>
           </p:nvPr>
         </p:nvSpPr>
-        <p:spPr/>
-        <p:txBody>
-          <a:bodyPr/>
-          <a:lstStyle/>
-          <a:p>
-            <a:endParaRPr lang="zh-TW" altLang="en-US"/>
+        <p:spPr>
+          <a:xfrm>
+            <a:off x="920872" y="1269127"/>
+            <a:ext cx="8460941" cy="5493584"/>
+          </a:xfrm>
+        </p:spPr>
+        <p:txBody>
+          <a:bodyPr>
+            <a:normAutofit fontScale="60000"/>
+          </a:bodyPr>
+          <a:lstStyle/>
+          <a:p>
+            <a:r>
+              <a:rPr lang="en-US" altLang="zh-TW" dirty="0"/>
+              <a:t>Rental Spot to longitude and latitude (2 columns)</a:t>
+            </a:r>
+            <a:endParaRPr lang="en-US" altLang="zh-TW" dirty="0"/>
+          </a:p>
+          <a:p>
+            <a:pPr lvl="1"/>
+            <a:r>
+              <a:rPr lang="en-US" altLang="zh-TW" b="1" u="sng" dirty="0"/>
+              <a:t>Spot</a:t>
+            </a:r>
+            <a:r>
+              <a:rPr lang="en-US" altLang="zh-TW" dirty="0"/>
+              <a:t> / to longitude and latitude </a:t>
+            </a:r>
+            <a:endParaRPr lang="en-US" altLang="zh-TW" dirty="0"/>
+          </a:p>
+          <a:p>
+            <a:r>
+              <a:rPr lang="en-US" altLang="zh-TW" dirty="0"/>
+              <a:t>Car All info (9 columns)</a:t>
+            </a:r>
+            <a:endParaRPr lang="en-US" altLang="zh-TW" dirty="0"/>
+          </a:p>
+          <a:p>
+            <a:pPr lvl="1"/>
+            <a:r>
+              <a:rPr lang="en-US" altLang="zh-TW" b="1" u="sng" dirty="0"/>
+              <a:t>Car ID</a:t>
+            </a:r>
+            <a:r>
+              <a:rPr lang="en-US" altLang="zh-TW" b="1" dirty="0"/>
+              <a:t> </a:t>
+            </a:r>
+            <a:r>
+              <a:rPr lang="en-US" altLang="zh-TW" dirty="0"/>
+              <a:t>/ </a:t>
+            </a:r>
+            <a:r>
+              <a:rPr lang="en-US" altLang="zh-TW" dirty="0" err="1"/>
+              <a:t>bmid</a:t>
+            </a:r>
+            <a:r>
+              <a:rPr lang="en-US" altLang="zh-TW" dirty="0"/>
+              <a:t> (brand &amp; model) / transportation type / sub type / brand ID / Model ID / price (per hour) / location / In used or not (0 or 1)</a:t>
+            </a:r>
+            <a:endParaRPr lang="en-US" altLang="zh-TW" dirty="0"/>
+          </a:p>
+          <a:p>
+            <a:r>
+              <a:rPr lang="en-US" altLang="zh-TW" dirty="0"/>
+              <a:t>Car Status for each time unit	(5 columns)</a:t>
+            </a:r>
+            <a:endParaRPr lang="en-US" altLang="zh-TW" dirty="0"/>
+          </a:p>
+          <a:p>
+            <a:pPr lvl="1"/>
+            <a:r>
+              <a:rPr lang="en-US" altLang="zh-TW" b="1" u="sng" dirty="0"/>
+              <a:t>Status ID </a:t>
+            </a:r>
+            <a:r>
+              <a:rPr lang="en-US" altLang="zh-TW" dirty="0"/>
+              <a:t>/ time / location / </a:t>
+            </a:r>
+            <a:r>
+              <a:rPr lang="en-US" altLang="zh-TW" dirty="0" err="1"/>
+              <a:t>bmid</a:t>
+            </a:r>
+            <a:r>
+              <a:rPr lang="en-US" altLang="zh-TW" dirty="0"/>
+              <a:t> / Car Amount</a:t>
+            </a:r>
+            <a:endParaRPr lang="en-US" altLang="zh-TW" dirty="0"/>
+          </a:p>
+          <a:p>
+            <a:r>
+              <a:rPr lang="en-US" altLang="zh-TW" dirty="0"/>
+              <a:t>Query Record (9 columns)</a:t>
+            </a:r>
+            <a:endParaRPr lang="en-US" altLang="zh-TW" dirty="0"/>
+          </a:p>
+          <a:p>
+            <a:pPr lvl="1"/>
+            <a:r>
+              <a:rPr lang="en-US" altLang="zh-TW" b="1" u="sng" dirty="0"/>
+              <a:t>QD ID </a:t>
+            </a:r>
+            <a:r>
+              <a:rPr lang="en-US" altLang="zh-TW" dirty="0"/>
+              <a:t>/ Query ID / Deal ID / query time / </a:t>
+            </a:r>
+            <a:r>
+              <a:rPr lang="en-US" altLang="zh-TW" dirty="0" err="1"/>
+              <a:t>bmid</a:t>
+            </a:r>
+            <a:r>
+              <a:rPr lang="en-US" altLang="zh-TW" dirty="0"/>
+              <a:t> (brand &amp; model) / rental starting time / rental ending time / location / price</a:t>
+            </a:r>
+            <a:endParaRPr lang="en-US" altLang="zh-TW" dirty="0"/>
+          </a:p>
+          <a:p>
+            <a:r>
+              <a:rPr lang="en-US" altLang="zh-TW" dirty="0"/>
+              <a:t>Order Record (11 columns)</a:t>
+            </a:r>
+            <a:endParaRPr lang="en-US" altLang="zh-TW" dirty="0"/>
+          </a:p>
+          <a:p>
+            <a:pPr lvl="1"/>
+            <a:r>
+              <a:rPr lang="en-US" altLang="zh-TW" b="1" u="sng" dirty="0"/>
+              <a:t>Order ID</a:t>
+            </a:r>
+            <a:r>
+              <a:rPr lang="en-US" altLang="zh-TW" dirty="0"/>
+              <a:t> / User ID / </a:t>
+            </a:r>
+            <a:r>
+              <a:rPr lang="en-US" altLang="zh-TW" dirty="0" err="1"/>
+              <a:t>qd</a:t>
+            </a:r>
+            <a:r>
+              <a:rPr lang="en-US" altLang="zh-TW" dirty="0"/>
+              <a:t> ID / Car ID / Order time / </a:t>
+            </a:r>
+            <a:r>
+              <a:rPr lang="en-US" altLang="zh-TW" dirty="0" err="1"/>
+              <a:t>bmid</a:t>
+            </a:r>
+            <a:r>
+              <a:rPr lang="en-US" altLang="zh-TW" dirty="0"/>
+              <a:t> (brand &amp; model) / rental starting time / rental ending time / location / price / status</a:t>
+            </a:r>
+            <a:endParaRPr lang="en-US" altLang="zh-TW" dirty="0"/>
+          </a:p>
+          <a:p>
+            <a:pPr lvl="1"/>
+            <a:r>
+              <a:rPr lang="en-US" altLang="zh-TW" dirty="0"/>
+              <a:t>Status can be </a:t>
+            </a:r>
+            <a:endParaRPr lang="en-US" altLang="zh-TW" dirty="0"/>
+          </a:p>
+          <a:p>
+            <a:pPr lvl="2"/>
+            <a:r>
+              <a:rPr lang="en-US" altLang="zh-TW" dirty="0"/>
+              <a:t>Confirmed (Pending, </a:t>
+            </a:r>
+            <a:r>
+              <a:rPr lang="en-US" altLang="zh-TW" dirty="0" err="1"/>
+              <a:t>car_id</a:t>
+            </a:r>
+            <a:r>
+              <a:rPr lang="en-US" altLang="zh-TW" dirty="0"/>
+              <a:t> = null since car id is not assigned)</a:t>
+            </a:r>
+            <a:endParaRPr lang="en-US" altLang="zh-TW" dirty="0"/>
+          </a:p>
+          <a:p>
+            <a:pPr lvl="2"/>
+            <a:r>
+              <a:rPr lang="en-US" altLang="zh-TW" dirty="0"/>
+              <a:t>Activated (Ready to drive (within 10-20 minutes), assign car id)</a:t>
+            </a:r>
+            <a:endParaRPr lang="en-US" altLang="zh-TW" dirty="0"/>
+          </a:p>
+          <a:p>
+            <a:pPr lvl="2"/>
+            <a:r>
+              <a:rPr lang="en-US" altLang="zh-TW" dirty="0"/>
+              <a:t>Finished (Returned the car)</a:t>
+            </a:r>
+            <a:endParaRPr lang="en-US" altLang="zh-TW" dirty="0"/>
+          </a:p>
+          <a:p>
+            <a:pPr lvl="2"/>
+            <a:r>
+              <a:rPr lang="en-US" altLang="zh-TW" dirty="0"/>
+              <a:t>Canceled</a:t>
+            </a:r>
+            <a:endParaRPr lang="en-US" altLang="zh-TW" dirty="0"/>
+          </a:p>
+          <a:p>
+            <a:pPr lvl="1"/>
+            <a:endParaRPr lang="en-US" altLang="zh-TW" dirty="0"/>
+          </a:p>
+          <a:p>
+            <a:endParaRPr lang="en-US" altLang="zh-TW" dirty="0"/>
           </a:p>
         </p:txBody>
       </p:sp>
     </p:spTree>
-    <p:extLst>
-      <p:ext uri="{BB962C8B-B14F-4D97-AF65-F5344CB8AC3E}">
-        <p14:creationId xmlns:p14="http://schemas.microsoft.com/office/powerpoint/2010/main" val="1442489100"/>
-      </p:ext>
-    </p:extLst>
   </p:cSld>
   <p:clrMapOvr>
     <a:masterClrMapping/>
   </p:clrMapOvr>
+  <mc:AlternateContent xmlns:mc="http://schemas.openxmlformats.org/markup-compatibility/2006">
+    <mc:Choice xmlns:p14="http://schemas.microsoft.com/office/powerpoint/2010/main" Requires="p14">
+      <p:transition spd="slow" p14:dur="2000">
+        <p:cut/>
+      </p:transition>
+    </mc:Choice>
+    <mc:Fallback>
+      <p:transition spd="slow">
+        <p:cut/>
+      </p:transition>
+    </mc:Fallback>
+  </mc:AlternateContent>
 </p:sld>
 </file>
 
@@ -3131,42 +3408,126 @@
           <a:lstStyle/>
           <a:p>
             <a:r>
-              <a:rPr lang="en-US" altLang="zh-TW" dirty="0" smtClean="0"/>
-              <a:t>How does data get updated?</a:t>
-            </a:r>
+              <a:rPr lang="en-US" altLang="zh-TW" sz="2800" dirty="0"/>
+              <a:t>Data</a:t>
+            </a:r>
+            <a:r>
+              <a:rPr lang="zh-TW" altLang="en-US" sz="2800" dirty="0"/>
+              <a:t> </a:t>
+            </a:r>
+            <a:r>
+              <a:rPr lang="en-US" altLang="zh-TW" sz="2800" dirty="0"/>
+              <a:t>in DB-</a:t>
+            </a:r>
+            <a:r>
+              <a:rPr lang="en-US" altLang="zh-TW" sz="2000" dirty="0"/>
+              <a:t>Car System </a:t>
+            </a:r>
+            <a:endParaRPr lang="zh-TW" altLang="en-US" sz="2000" dirty="0"/>
+          </a:p>
+        </p:txBody>
+      </p:sp>
+      <p:sp>
+        <p:nvSpPr>
+          <p:cNvPr id="4" name="內容版面配置區 3"/>
+          <p:cNvSpPr>
+            <a:spLocks noGrp="1"/>
+          </p:cNvSpPr>
+          <p:nvPr>
+            <p:ph idx="1"/>
+          </p:nvPr>
+        </p:nvSpPr>
+        <p:spPr/>
+        <p:txBody>
+          <a:bodyPr/>
+          <a:lstStyle/>
+          <a:p>
+            <a:r>
+              <a:rPr lang="en-US" altLang="zh-TW" sz="2400" dirty="0"/>
+              <a:t>Rental Spot to longitude and latitude (2 columns)</a:t>
+            </a:r>
+            <a:endParaRPr lang="en-US" altLang="zh-TW" sz="2400" dirty="0"/>
+          </a:p>
+          <a:p>
+            <a:pPr lvl="1"/>
+            <a:r>
+              <a:rPr lang="en-US" altLang="zh-TW" sz="2000" b="1" u="sng" dirty="0"/>
+              <a:t>Spot</a:t>
+            </a:r>
+            <a:r>
+              <a:rPr lang="en-US" altLang="zh-TW" sz="2000" dirty="0"/>
+              <a:t> / to longitude and latitude </a:t>
+            </a:r>
+            <a:endParaRPr lang="en-US" altLang="zh-TW" sz="2000" dirty="0"/>
+          </a:p>
+          <a:p>
+            <a:pPr marL="0" indent="0">
+              <a:buNone/>
+            </a:pPr>
             <a:endParaRPr lang="zh-TW" altLang="en-US" dirty="0"/>
           </a:p>
         </p:txBody>
       </p:sp>
-      <p:sp>
-        <p:nvSpPr>
-          <p:cNvPr id="3" name="內容版面配置區 2"/>
-          <p:cNvSpPr>
-            <a:spLocks noGrp="1"/>
-          </p:cNvSpPr>
-          <p:nvPr>
-            <p:ph idx="1"/>
-          </p:nvPr>
-        </p:nvSpPr>
-        <p:spPr/>
-        <p:txBody>
-          <a:bodyPr/>
-          <a:lstStyle/>
-          <a:p>
-            <a:endParaRPr lang="zh-TW" altLang="en-US"/>
-          </a:p>
-        </p:txBody>
-      </p:sp>
+      <p:pic>
+        <p:nvPicPr>
+          <p:cNvPr id="1026" name="Picture 2" descr="https://i.imgur.com/0KgVESi.png">
+            <a:hlinkClick r:id="rId1" action="ppaction://hlinksldjump"/>
+          </p:cNvPr>
+          <p:cNvPicPr>
+            <a:picLocks noChangeAspect="1" noChangeArrowheads="1"/>
+          </p:cNvPicPr>
+          <p:nvPr/>
+        </p:nvPicPr>
+        <p:blipFill>
+          <a:blip r:embed="rId2">
+            <a:extLst>
+              <a:ext uri="{28A0092B-C50C-407E-A947-70E740481C1C}">
+                <a14:useLocalDpi xmlns:a14="http://schemas.microsoft.com/office/drawing/2010/main" val="0"/>
+              </a:ext>
+            </a:extLst>
+          </a:blip>
+          <a:srcRect/>
+          <a:stretch>
+            <a:fillRect/>
+          </a:stretch>
+        </p:blipFill>
+        <p:spPr bwMode="auto">
+          <a:xfrm>
+            <a:off x="2154963" y="1700808"/>
+            <a:ext cx="7458140" cy="3240360"/>
+          </a:xfrm>
+          <a:prstGeom prst="rect">
+            <a:avLst/>
+          </a:prstGeom>
+          <a:noFill/>
+          <a:extLst>
+            <a:ext uri="{909E8E84-426E-40DD-AFC4-6F175D3DCCD1}">
+              <a14:hiddenFill xmlns:a14="http://schemas.microsoft.com/office/drawing/2010/main">
+                <a:solidFill>
+                  <a:srgbClr val="FFFFFF"/>
+                </a:solidFill>
+              </a14:hiddenFill>
+            </a:ext>
+          </a:extLst>
+        </p:spPr>
+      </p:pic>
     </p:spTree>
-    <p:extLst>
-      <p:ext uri="{BB962C8B-B14F-4D97-AF65-F5344CB8AC3E}">
-        <p14:creationId xmlns:p14="http://schemas.microsoft.com/office/powerpoint/2010/main" val="1534718232"/>
-      </p:ext>
-    </p:extLst>
   </p:cSld>
   <p:clrMapOvr>
     <a:masterClrMapping/>
   </p:clrMapOvr>
+  <mc:AlternateContent xmlns:mc="http://schemas.openxmlformats.org/markup-compatibility/2006">
+    <mc:Choice xmlns:p14="http://schemas.microsoft.com/office/powerpoint/2010/main" Requires="p14">
+      <p:transition spd="slow" p14:dur="2000">
+        <p:cut/>
+      </p:transition>
+    </mc:Choice>
+    <mc:Fallback>
+      <p:transition spd="slow">
+        <p:cut/>
+      </p:transition>
+    </mc:Fallback>
+  </mc:AlternateContent>
 </p:sld>
 </file>
 
@@ -3203,8 +3564,656 @@
           <a:lstStyle/>
           <a:p>
             <a:r>
+              <a:rPr lang="en-US" altLang="zh-TW" sz="2800" dirty="0"/>
+              <a:t>Data</a:t>
+            </a:r>
+            <a:r>
+              <a:rPr lang="zh-TW" altLang="en-US" sz="2800" dirty="0"/>
+              <a:t> </a:t>
+            </a:r>
+            <a:r>
+              <a:rPr lang="en-US" altLang="zh-TW" sz="2800" dirty="0"/>
+              <a:t>in DB-</a:t>
+            </a:r>
+            <a:r>
+              <a:rPr lang="en-US" altLang="zh-TW" sz="2000" dirty="0"/>
+              <a:t>Car System </a:t>
+            </a:r>
+            <a:endParaRPr lang="zh-TW" altLang="en-US" dirty="0"/>
+          </a:p>
+        </p:txBody>
+      </p:sp>
+      <p:sp>
+        <p:nvSpPr>
+          <p:cNvPr id="4" name="內容版面配置區 3"/>
+          <p:cNvSpPr>
+            <a:spLocks noGrp="1"/>
+          </p:cNvSpPr>
+          <p:nvPr>
+            <p:ph idx="1"/>
+          </p:nvPr>
+        </p:nvSpPr>
+        <p:spPr>
+          <a:xfrm>
+            <a:off x="838200" y="1407160"/>
+            <a:ext cx="10515600" cy="4351338"/>
+          </a:xfrm>
+        </p:spPr>
+        <p:txBody>
+          <a:bodyPr/>
+          <a:lstStyle/>
+          <a:p>
+            <a:r>
+              <a:rPr lang="en-US" altLang="zh-TW" sz="2400" dirty="0"/>
+              <a:t>Car All info (9 columns)</a:t>
+            </a:r>
+            <a:endParaRPr lang="en-US" altLang="zh-TW" sz="2400" dirty="0"/>
+          </a:p>
+          <a:p>
+            <a:pPr lvl="1"/>
+            <a:r>
+              <a:rPr lang="en-US" altLang="zh-TW" sz="2000" b="1" u="sng" dirty="0"/>
+              <a:t>Car ID</a:t>
+            </a:r>
+            <a:r>
+              <a:rPr lang="en-US" altLang="zh-TW" sz="2000" b="1" dirty="0"/>
+              <a:t> </a:t>
+            </a:r>
+            <a:r>
+              <a:rPr lang="en-US" altLang="zh-TW" sz="2000" dirty="0"/>
+              <a:t>/ </a:t>
+            </a:r>
+            <a:r>
+              <a:rPr lang="en-US" altLang="zh-TW" sz="2000" dirty="0" err="1"/>
+              <a:t>bmid</a:t>
+            </a:r>
+            <a:r>
+              <a:rPr lang="en-US" altLang="zh-TW" sz="2000" dirty="0"/>
+              <a:t> (brand &amp; model) / transportation type / sub type / brand ID / Model ID / price (per hour) / location / In used or not (0 or 1)</a:t>
+            </a:r>
+            <a:endParaRPr lang="en-US" altLang="zh-TW" sz="2000" dirty="0"/>
+          </a:p>
+          <a:p>
+            <a:pPr marL="0" indent="0">
+              <a:buNone/>
+            </a:pPr>
+            <a:endParaRPr lang="zh-TW" altLang="en-US" dirty="0"/>
+          </a:p>
+        </p:txBody>
+      </p:sp>
+      <p:pic>
+        <p:nvPicPr>
+          <p:cNvPr id="5" name="Picture 2" descr="https://i.imgur.com/khxplOF.png">
+            <a:hlinkClick r:id="rId1" action="ppaction://hlinksldjump"/>
+          </p:cNvPr>
+          <p:cNvPicPr>
+            <a:picLocks noChangeAspect="1" noChangeArrowheads="1"/>
+          </p:cNvPicPr>
+          <p:nvPr/>
+        </p:nvPicPr>
+        <p:blipFill rotWithShape="1">
+          <a:blip r:embed="rId2">
+            <a:extLst>
+              <a:ext uri="{28A0092B-C50C-407E-A947-70E740481C1C}">
+                <a14:useLocalDpi xmlns:a14="http://schemas.microsoft.com/office/drawing/2010/main" val="0"/>
+              </a:ext>
+            </a:extLst>
+          </a:blip>
+          <a:srcRect b="5448"/>
+          <a:stretch>
+            <a:fillRect/>
+          </a:stretch>
+        </p:blipFill>
+        <p:spPr bwMode="auto">
+          <a:xfrm>
+            <a:off x="1866699" y="2449215"/>
+            <a:ext cx="6658265" cy="4752000"/>
+          </a:xfrm>
+          <a:prstGeom prst="rect">
+            <a:avLst/>
+          </a:prstGeom>
+          <a:noFill/>
+          <a:extLst>
+            <a:ext uri="{909E8E84-426E-40DD-AFC4-6F175D3DCCD1}">
+              <a14:hiddenFill xmlns:a14="http://schemas.microsoft.com/office/drawing/2010/main">
+                <a:solidFill>
+                  <a:srgbClr val="FFFFFF"/>
+                </a:solidFill>
+              </a14:hiddenFill>
+            </a:ext>
+          </a:extLst>
+        </p:spPr>
+      </p:pic>
+    </p:spTree>
+  </p:cSld>
+  <p:clrMapOvr>
+    <a:masterClrMapping/>
+  </p:clrMapOvr>
+  <mc:AlternateContent xmlns:mc="http://schemas.openxmlformats.org/markup-compatibility/2006">
+    <mc:Choice xmlns:p14="http://schemas.microsoft.com/office/powerpoint/2010/main" Requires="p14">
+      <p:transition spd="slow" p14:dur="2000">
+        <p:cut/>
+      </p:transition>
+    </mc:Choice>
+    <mc:Fallback>
+      <p:transition spd="slow">
+        <p:cut/>
+      </p:transition>
+    </mc:Fallback>
+  </mc:AlternateContent>
+</p:sld>
+</file>
+
+<file path=ppt/slides/slide5.xml><?xml version="1.0" encoding="utf-8"?>
+<p:sld xmlns:a="http://schemas.openxmlformats.org/drawingml/2006/main" xmlns:r="http://schemas.openxmlformats.org/officeDocument/2006/relationships" xmlns:p="http://schemas.openxmlformats.org/presentationml/2006/main">
+  <p:cSld>
+    <p:spTree>
+      <p:nvGrpSpPr>
+        <p:cNvPr id="1" name=""/>
+        <p:cNvGrpSpPr/>
+        <p:nvPr/>
+      </p:nvGrpSpPr>
+      <p:grpSpPr>
+        <a:xfrm>
+          <a:off x="0" y="0"/>
+          <a:ext cx="0" cy="0"/>
+          <a:chOff x="0" y="0"/>
+          <a:chExt cx="0" cy="0"/>
+        </a:xfrm>
+      </p:grpSpPr>
+      <p:sp>
+        <p:nvSpPr>
+          <p:cNvPr id="2" name="標題 1"/>
+          <p:cNvSpPr>
+            <a:spLocks noGrp="1"/>
+          </p:cNvSpPr>
+          <p:nvPr>
+            <p:ph type="title"/>
+          </p:nvPr>
+        </p:nvSpPr>
+        <p:spPr/>
+        <p:txBody>
+          <a:bodyPr/>
+          <a:lstStyle/>
+          <a:p>
+            <a:r>
+              <a:rPr lang="en-US" altLang="zh-TW" sz="2800" dirty="0"/>
+              <a:t>Data</a:t>
+            </a:r>
+            <a:r>
+              <a:rPr lang="zh-TW" altLang="en-US" sz="2800" dirty="0"/>
+              <a:t> </a:t>
+            </a:r>
+            <a:r>
+              <a:rPr lang="en-US" altLang="zh-TW" sz="2800" dirty="0"/>
+              <a:t>in DB-</a:t>
+            </a:r>
+            <a:r>
+              <a:rPr lang="en-US" altLang="zh-TW" sz="2000" dirty="0"/>
+              <a:t>Car System </a:t>
+            </a:r>
+            <a:endParaRPr lang="zh-TW" altLang="en-US" dirty="0"/>
+          </a:p>
+        </p:txBody>
+      </p:sp>
+      <p:sp>
+        <p:nvSpPr>
+          <p:cNvPr id="4" name="內容版面配置區 3"/>
+          <p:cNvSpPr>
+            <a:spLocks noGrp="1"/>
+          </p:cNvSpPr>
+          <p:nvPr>
+            <p:ph idx="1"/>
+          </p:nvPr>
+        </p:nvSpPr>
+        <p:spPr/>
+        <p:txBody>
+          <a:bodyPr/>
+          <a:lstStyle/>
+          <a:p>
+            <a:r>
+              <a:rPr lang="en-US" altLang="zh-TW" sz="2400" dirty="0"/>
+              <a:t>Car Status for each time unit (5 columns)</a:t>
+            </a:r>
+            <a:endParaRPr lang="en-US" altLang="zh-TW" sz="2400" dirty="0"/>
+          </a:p>
+          <a:p>
+            <a:pPr lvl="1"/>
+            <a:r>
+              <a:rPr lang="en-US" altLang="zh-TW" sz="2000" b="1" u="sng" dirty="0"/>
+              <a:t>Status ID </a:t>
+            </a:r>
+            <a:r>
+              <a:rPr lang="en-US" altLang="zh-TW" sz="2000" dirty="0"/>
+              <a:t>/ time / location / </a:t>
+            </a:r>
+            <a:r>
+              <a:rPr lang="en-US" altLang="zh-TW" sz="2000" dirty="0" err="1"/>
+              <a:t>bmid</a:t>
+            </a:r>
+            <a:r>
+              <a:rPr lang="en-US" altLang="zh-TW" sz="2000" dirty="0"/>
+              <a:t> / Car Amount</a:t>
+            </a:r>
+            <a:endParaRPr lang="en-US" altLang="zh-TW" sz="2000" dirty="0"/>
+          </a:p>
+        </p:txBody>
+      </p:sp>
+      <p:pic>
+        <p:nvPicPr>
+          <p:cNvPr id="3" name="圖片 2">
+            <a:hlinkClick r:id="rId1" action="ppaction://hlinksldjump"/>
+          </p:cNvPr>
+          <p:cNvPicPr>
+            <a:picLocks noChangeAspect="1"/>
+          </p:cNvPicPr>
+          <p:nvPr/>
+        </p:nvPicPr>
+        <p:blipFill>
+          <a:blip r:embed="rId2"/>
+          <a:stretch>
+            <a:fillRect/>
+          </a:stretch>
+        </p:blipFill>
+        <p:spPr>
+          <a:xfrm>
+            <a:off x="6571159" y="846863"/>
+            <a:ext cx="4936700" cy="5163596"/>
+          </a:xfrm>
+          <a:prstGeom prst="rect">
+            <a:avLst/>
+          </a:prstGeom>
+        </p:spPr>
+      </p:pic>
+    </p:spTree>
+  </p:cSld>
+  <p:clrMapOvr>
+    <a:masterClrMapping/>
+  </p:clrMapOvr>
+  <mc:AlternateContent xmlns:mc="http://schemas.openxmlformats.org/markup-compatibility/2006">
+    <mc:Choice xmlns:p14="http://schemas.microsoft.com/office/powerpoint/2010/main" Requires="p14">
+      <p:transition spd="slow" p14:dur="2000">
+        <p:cut/>
+      </p:transition>
+    </mc:Choice>
+    <mc:Fallback>
+      <p:transition spd="slow">
+        <p:cut/>
+      </p:transition>
+    </mc:Fallback>
+  </mc:AlternateContent>
+</p:sld>
+</file>
+
+<file path=ppt/slides/slide6.xml><?xml version="1.0" encoding="utf-8"?>
+<p:sld xmlns:a="http://schemas.openxmlformats.org/drawingml/2006/main" xmlns:r="http://schemas.openxmlformats.org/officeDocument/2006/relationships" xmlns:p="http://schemas.openxmlformats.org/presentationml/2006/main">
+  <p:cSld>
+    <p:spTree>
+      <p:nvGrpSpPr>
+        <p:cNvPr id="1" name=""/>
+        <p:cNvGrpSpPr/>
+        <p:nvPr/>
+      </p:nvGrpSpPr>
+      <p:grpSpPr>
+        <a:xfrm>
+          <a:off x="0" y="0"/>
+          <a:ext cx="0" cy="0"/>
+          <a:chOff x="0" y="0"/>
+          <a:chExt cx="0" cy="0"/>
+        </a:xfrm>
+      </p:grpSpPr>
+      <p:sp>
+        <p:nvSpPr>
+          <p:cNvPr id="2" name="標題 1"/>
+          <p:cNvSpPr>
+            <a:spLocks noGrp="1"/>
+          </p:cNvSpPr>
+          <p:nvPr>
+            <p:ph type="title"/>
+          </p:nvPr>
+        </p:nvSpPr>
+        <p:spPr/>
+        <p:txBody>
+          <a:bodyPr/>
+          <a:lstStyle/>
+          <a:p>
+            <a:r>
+              <a:rPr lang="en-US" altLang="zh-TW" sz="2800" dirty="0"/>
+              <a:t>Data</a:t>
+            </a:r>
+            <a:r>
+              <a:rPr lang="zh-TW" altLang="en-US" sz="2800" dirty="0"/>
+              <a:t> </a:t>
+            </a:r>
+            <a:r>
+              <a:rPr lang="en-US" altLang="zh-TW" sz="2800" dirty="0"/>
+              <a:t>in DB-</a:t>
+            </a:r>
+            <a:r>
+              <a:rPr lang="en-US" altLang="zh-TW" sz="2000" dirty="0"/>
+              <a:t>Car System </a:t>
+            </a:r>
+            <a:endParaRPr lang="zh-TW" altLang="en-US" dirty="0"/>
+          </a:p>
+        </p:txBody>
+      </p:sp>
+      <p:sp>
+        <p:nvSpPr>
+          <p:cNvPr id="4" name="內容版面配置區 3"/>
+          <p:cNvSpPr>
+            <a:spLocks noGrp="1"/>
+          </p:cNvSpPr>
+          <p:nvPr>
+            <p:ph idx="1"/>
+          </p:nvPr>
+        </p:nvSpPr>
+        <p:spPr>
+          <a:xfrm>
+            <a:off x="838200" y="1414145"/>
+            <a:ext cx="10515600" cy="4351338"/>
+          </a:xfrm>
+        </p:spPr>
+        <p:txBody>
+          <a:bodyPr/>
+          <a:lstStyle/>
+          <a:p>
+            <a:r>
+              <a:rPr lang="en-US" altLang="zh-TW" sz="2400" dirty="0"/>
+              <a:t>Query Record (9 columns)</a:t>
+            </a:r>
+            <a:endParaRPr lang="en-US" altLang="zh-TW" sz="2400" dirty="0"/>
+          </a:p>
+          <a:p>
+            <a:pPr lvl="1"/>
+            <a:r>
+              <a:rPr lang="en-US" altLang="zh-TW" sz="2000" b="1" u="sng" dirty="0"/>
+              <a:t>QD ID </a:t>
+            </a:r>
+            <a:r>
+              <a:rPr lang="en-US" altLang="zh-TW" sz="2000" dirty="0"/>
+              <a:t>/ Query ID / Deal ID / query time / </a:t>
+            </a:r>
+            <a:r>
+              <a:rPr lang="en-US" altLang="zh-TW" sz="2000" dirty="0" err="1"/>
+              <a:t>bmid</a:t>
+            </a:r>
+            <a:r>
+              <a:rPr lang="en-US" altLang="zh-TW" sz="2000" dirty="0"/>
+              <a:t> (brand &amp; model) / rental starting time / rental ending time / location / price</a:t>
+            </a:r>
+            <a:endParaRPr lang="en-US" altLang="zh-TW" sz="2000" dirty="0"/>
+          </a:p>
+        </p:txBody>
+      </p:sp>
+      <p:pic>
+        <p:nvPicPr>
+          <p:cNvPr id="2052" name="Picture 4" descr="https://i.imgur.com/1Ad5jcu.png">
+            <a:hlinkClick r:id="rId1" action="ppaction://hlinksldjump"/>
+          </p:cNvPr>
+          <p:cNvPicPr>
+            <a:picLocks noChangeAspect="1" noChangeArrowheads="1"/>
+          </p:cNvPicPr>
+          <p:nvPr/>
+        </p:nvPicPr>
+        <p:blipFill>
+          <a:blip r:embed="rId2">
+            <a:extLst>
+              <a:ext uri="{28A0092B-C50C-407E-A947-70E740481C1C}">
+                <a14:useLocalDpi xmlns:a14="http://schemas.microsoft.com/office/drawing/2010/main" val="0"/>
+              </a:ext>
+            </a:extLst>
+          </a:blip>
+          <a:srcRect/>
+          <a:stretch>
+            <a:fillRect/>
+          </a:stretch>
+        </p:blipFill>
+        <p:spPr bwMode="auto">
+          <a:xfrm>
+            <a:off x="780975" y="2839740"/>
+            <a:ext cx="8968805" cy="4149560"/>
+          </a:xfrm>
+          <a:prstGeom prst="rect">
+            <a:avLst/>
+          </a:prstGeom>
+          <a:noFill/>
+          <a:extLst>
+            <a:ext uri="{909E8E84-426E-40DD-AFC4-6F175D3DCCD1}">
+              <a14:hiddenFill xmlns:a14="http://schemas.microsoft.com/office/drawing/2010/main">
+                <a:solidFill>
+                  <a:srgbClr val="FFFFFF"/>
+                </a:solidFill>
+              </a14:hiddenFill>
+            </a:ext>
+          </a:extLst>
+        </p:spPr>
+      </p:pic>
+    </p:spTree>
+  </p:cSld>
+  <p:clrMapOvr>
+    <a:masterClrMapping/>
+  </p:clrMapOvr>
+  <mc:AlternateContent xmlns:mc="http://schemas.openxmlformats.org/markup-compatibility/2006">
+    <mc:Choice xmlns:p14="http://schemas.microsoft.com/office/powerpoint/2010/main" Requires="p14">
+      <p:transition spd="slow" p14:dur="2000">
+        <p:cut/>
+      </p:transition>
+    </mc:Choice>
+    <mc:Fallback>
+      <p:transition spd="slow">
+        <p:cut/>
+      </p:transition>
+    </mc:Fallback>
+  </mc:AlternateContent>
+</p:sld>
+</file>
+
+<file path=ppt/slides/slide7.xml><?xml version="1.0" encoding="utf-8"?>
+<p:sld xmlns:a="http://schemas.openxmlformats.org/drawingml/2006/main" xmlns:r="http://schemas.openxmlformats.org/officeDocument/2006/relationships" xmlns:p="http://schemas.openxmlformats.org/presentationml/2006/main">
+  <p:cSld>
+    <p:spTree>
+      <p:nvGrpSpPr>
+        <p:cNvPr id="1" name=""/>
+        <p:cNvGrpSpPr/>
+        <p:nvPr/>
+      </p:nvGrpSpPr>
+      <p:grpSpPr>
+        <a:xfrm>
+          <a:off x="0" y="0"/>
+          <a:ext cx="0" cy="0"/>
+          <a:chOff x="0" y="0"/>
+          <a:chExt cx="0" cy="0"/>
+        </a:xfrm>
+      </p:grpSpPr>
+      <p:sp>
+        <p:nvSpPr>
+          <p:cNvPr id="2" name="標題 1"/>
+          <p:cNvSpPr>
+            <a:spLocks noGrp="1"/>
+          </p:cNvSpPr>
+          <p:nvPr>
+            <p:ph type="title"/>
+          </p:nvPr>
+        </p:nvSpPr>
+        <p:spPr/>
+        <p:txBody>
+          <a:bodyPr/>
+          <a:lstStyle/>
+          <a:p>
+            <a:r>
+              <a:rPr lang="en-US" altLang="zh-TW" sz="2800" dirty="0"/>
+              <a:t>Data</a:t>
+            </a:r>
+            <a:r>
+              <a:rPr lang="zh-TW" altLang="en-US" sz="2800" dirty="0"/>
+              <a:t> </a:t>
+            </a:r>
+            <a:r>
+              <a:rPr lang="en-US" altLang="zh-TW" sz="2800" dirty="0"/>
+              <a:t>in DB-</a:t>
+            </a:r>
+            <a:r>
+              <a:rPr lang="en-US" altLang="zh-TW" sz="2000" dirty="0"/>
+              <a:t>Car System </a:t>
+            </a:r>
+            <a:endParaRPr lang="zh-TW" altLang="en-US" dirty="0"/>
+          </a:p>
+        </p:txBody>
+      </p:sp>
+      <p:sp>
+        <p:nvSpPr>
+          <p:cNvPr id="4" name="內容版面配置區 3"/>
+          <p:cNvSpPr>
+            <a:spLocks noGrp="1"/>
+          </p:cNvSpPr>
+          <p:nvPr>
+            <p:ph idx="1"/>
+          </p:nvPr>
+        </p:nvSpPr>
+        <p:spPr>
+          <a:xfrm>
+            <a:off x="746247" y="1206261"/>
+            <a:ext cx="8532948" cy="5781615"/>
+          </a:xfrm>
+        </p:spPr>
+        <p:txBody>
+          <a:bodyPr/>
+          <a:lstStyle/>
+          <a:p>
+            <a:r>
+              <a:rPr lang="en-US" altLang="zh-TW" sz="2400" dirty="0"/>
+              <a:t>Order Record (11 columns)</a:t>
+            </a:r>
+            <a:endParaRPr lang="en-US" altLang="zh-TW" sz="2400" dirty="0"/>
+          </a:p>
+          <a:p>
+            <a:pPr lvl="1"/>
+            <a:r>
+              <a:rPr lang="en-US" altLang="zh-TW" sz="2000" b="1" u="sng" dirty="0"/>
+              <a:t>Order ID</a:t>
+            </a:r>
+            <a:r>
+              <a:rPr lang="en-US" altLang="zh-TW" sz="2000" dirty="0"/>
+              <a:t> / User ID / </a:t>
+            </a:r>
+            <a:r>
+              <a:rPr lang="en-US" altLang="zh-TW" sz="2000" dirty="0" err="1"/>
+              <a:t>qd</a:t>
+            </a:r>
+            <a:r>
+              <a:rPr lang="en-US" altLang="zh-TW" sz="2000" dirty="0"/>
+              <a:t> ID / Car ID / Order time / </a:t>
+            </a:r>
+            <a:r>
+              <a:rPr lang="en-US" altLang="zh-TW" sz="2000" dirty="0" err="1"/>
+              <a:t>bmid</a:t>
+            </a:r>
+            <a:r>
+              <a:rPr lang="en-US" altLang="zh-TW" sz="2000" dirty="0"/>
+              <a:t> (brand &amp; model) / rental starting time / rental ending time / location / price / status</a:t>
+            </a:r>
+            <a:endParaRPr lang="en-US" altLang="zh-TW" sz="2000" dirty="0"/>
+          </a:p>
+        </p:txBody>
+      </p:sp>
+      <p:pic>
+        <p:nvPicPr>
+          <p:cNvPr id="4098" name="Picture 2" descr="https://i.imgur.com/xfDxUvc.png">
+            <a:hlinkClick r:id="rId1" action="ppaction://hlinksldjump"/>
+          </p:cNvPr>
+          <p:cNvPicPr>
+            <a:picLocks noChangeAspect="1" noChangeArrowheads="1"/>
+          </p:cNvPicPr>
+          <p:nvPr/>
+        </p:nvPicPr>
+        <p:blipFill rotWithShape="1">
+          <a:blip r:embed="rId2">
+            <a:extLst>
+              <a:ext uri="{28A0092B-C50C-407E-A947-70E740481C1C}">
+                <a14:useLocalDpi xmlns:a14="http://schemas.microsoft.com/office/drawing/2010/main" val="0"/>
+              </a:ext>
+            </a:extLst>
+          </a:blip>
+          <a:srcRect r="3609"/>
+          <a:stretch>
+            <a:fillRect/>
+          </a:stretch>
+        </p:blipFill>
+        <p:spPr bwMode="auto">
+          <a:xfrm>
+            <a:off x="991677" y="2753251"/>
+            <a:ext cx="8928992" cy="1730651"/>
+          </a:xfrm>
+          <a:prstGeom prst="rect">
+            <a:avLst/>
+          </a:prstGeom>
+          <a:noFill/>
+          <a:extLst>
+            <a:ext uri="{909E8E84-426E-40DD-AFC4-6F175D3DCCD1}">
+              <a14:hiddenFill xmlns:a14="http://schemas.microsoft.com/office/drawing/2010/main">
+                <a:solidFill>
+                  <a:srgbClr val="FFFFFF"/>
+                </a:solidFill>
+              </a14:hiddenFill>
+            </a:ext>
+          </a:extLst>
+        </p:spPr>
+      </p:pic>
+    </p:spTree>
+  </p:cSld>
+  <p:clrMapOvr>
+    <a:masterClrMapping/>
+  </p:clrMapOvr>
+  <mc:AlternateContent xmlns:mc="http://schemas.openxmlformats.org/markup-compatibility/2006">
+    <mc:Choice xmlns:p14="http://schemas.microsoft.com/office/powerpoint/2010/main" Requires="p14">
+      <p:transition spd="slow" p14:dur="2000">
+        <p:cut/>
+      </p:transition>
+    </mc:Choice>
+    <mc:Fallback>
+      <p:transition spd="slow">
+        <p:cut/>
+      </p:transition>
+    </mc:Fallback>
+  </mc:AlternateContent>
+</p:sld>
+</file>
+
+<file path=ppt/slides/slide8.xml><?xml version="1.0" encoding="utf-8"?>
+<p:sld xmlns:a="http://schemas.openxmlformats.org/drawingml/2006/main" xmlns:r="http://schemas.openxmlformats.org/officeDocument/2006/relationships" xmlns:p="http://schemas.openxmlformats.org/presentationml/2006/main">
+  <p:cSld>
+    <p:spTree>
+      <p:nvGrpSpPr>
+        <p:cNvPr id="1" name=""/>
+        <p:cNvGrpSpPr/>
+        <p:nvPr/>
+      </p:nvGrpSpPr>
+      <p:grpSpPr>
+        <a:xfrm>
+          <a:off x="0" y="0"/>
+          <a:ext cx="0" cy="0"/>
+          <a:chOff x="0" y="0"/>
+          <a:chExt cx="0" cy="0"/>
+        </a:xfrm>
+      </p:grpSpPr>
+      <p:sp>
+        <p:nvSpPr>
+          <p:cNvPr id="2" name="標題 1"/>
+          <p:cNvSpPr>
+            <a:spLocks noGrp="1"/>
+          </p:cNvSpPr>
+          <p:nvPr>
+            <p:ph type="title"/>
+          </p:nvPr>
+        </p:nvSpPr>
+        <p:spPr/>
+        <p:txBody>
+          <a:bodyPr/>
+          <a:lstStyle/>
+          <a:p>
+            <a:r>
               <a:rPr lang="en-US" altLang="zh-TW" dirty="0" smtClean="0"/>
-              <a:t>Strengths of MMA</a:t>
+              <a:t>Matchmaking Algorithm</a:t>
             </a:r>
             <a:endParaRPr lang="zh-TW" altLang="en-US" dirty="0"/>
           </a:p>
@@ -3225,16 +4234,127 @@
           <a:bodyPr/>
           <a:lstStyle/>
           <a:p>
-            <a:endParaRPr lang="zh-TW" altLang="en-US"/>
+            <a:r>
+              <a:rPr lang="en-US" altLang="zh-TW"/>
+              <a:t>The MMA table contains date column each apart from an hour, rental site column, car type column</a:t>
+            </a:r>
+            <a:endParaRPr lang="en-US" altLang="zh-TW"/>
+          </a:p>
+          <a:p>
+            <a:r>
+              <a:rPr lang="en-US" altLang="zh-TW"/>
+              <a:t>1. Choose the rental sites within 10 km</a:t>
+            </a:r>
+            <a:endParaRPr lang="en-US" altLang="zh-TW"/>
+          </a:p>
+          <a:p>
+            <a:r>
+              <a:rPr lang="en-US" altLang="zh-TW"/>
+              <a:t>2. Choose the rental period time slots that user actully wanna take</a:t>
+            </a:r>
+            <a:endParaRPr lang="en-US" altLang="zh-TW"/>
+          </a:p>
+          <a:p>
+            <a:r>
+              <a:rPr lang="en-US" altLang="zh-TW"/>
+              <a:t>3. Choose the car types, which amount are greater than 0</a:t>
+            </a:r>
+            <a:endParaRPr lang="en-US" altLang="zh-TW"/>
+          </a:p>
+          <a:p>
+            <a:r>
+              <a:rPr lang="en-US" altLang="zh-TW"/>
+              <a:t>The reslut is availale car type list that user need. </a:t>
+            </a:r>
+            <a:endParaRPr lang="en-US" altLang="zh-TW"/>
+          </a:p>
+          <a:p>
+            <a:pPr marL="0" indent="0">
+              <a:buNone/>
+            </a:pPr>
+            <a:endParaRPr lang="en-US" altLang="zh-TW"/>
           </a:p>
         </p:txBody>
       </p:sp>
     </p:spTree>
-    <p:extLst>
-      <p:ext uri="{BB962C8B-B14F-4D97-AF65-F5344CB8AC3E}">
-        <p14:creationId xmlns:p14="http://schemas.microsoft.com/office/powerpoint/2010/main" val="3460675980"/>
-      </p:ext>
-    </p:extLst>
+  </p:cSld>
+  <p:clrMapOvr>
+    <a:masterClrMapping/>
+  </p:clrMapOvr>
+</p:sld>
+</file>
+
+<file path=ppt/slides/slide9.xml><?xml version="1.0" encoding="utf-8"?>
+<p:sld xmlns:a="http://schemas.openxmlformats.org/drawingml/2006/main" xmlns:r="http://schemas.openxmlformats.org/officeDocument/2006/relationships" xmlns:p="http://schemas.openxmlformats.org/presentationml/2006/main">
+  <p:cSld>
+    <p:spTree>
+      <p:nvGrpSpPr>
+        <p:cNvPr id="1" name=""/>
+        <p:cNvGrpSpPr/>
+        <p:nvPr/>
+      </p:nvGrpSpPr>
+      <p:grpSpPr>
+        <a:xfrm>
+          <a:off x="0" y="0"/>
+          <a:ext cx="0" cy="0"/>
+          <a:chOff x="0" y="0"/>
+          <a:chExt cx="0" cy="0"/>
+        </a:xfrm>
+      </p:grpSpPr>
+      <p:sp>
+        <p:nvSpPr>
+          <p:cNvPr id="2" name="標題 1"/>
+          <p:cNvSpPr>
+            <a:spLocks noGrp="1"/>
+          </p:cNvSpPr>
+          <p:nvPr>
+            <p:ph type="title"/>
+          </p:nvPr>
+        </p:nvSpPr>
+        <p:spPr/>
+        <p:txBody>
+          <a:bodyPr/>
+          <a:lstStyle/>
+          <a:p>
+            <a:r>
+              <a:rPr lang="en-US" altLang="zh-TW" dirty="0" smtClean="0"/>
+              <a:t>How does data get updated?</a:t>
+            </a:r>
+            <a:endParaRPr lang="zh-TW" altLang="en-US" dirty="0"/>
+          </a:p>
+        </p:txBody>
+      </p:sp>
+      <p:sp>
+        <p:nvSpPr>
+          <p:cNvPr id="3" name="內容版面配置區 2"/>
+          <p:cNvSpPr>
+            <a:spLocks noGrp="1"/>
+          </p:cNvSpPr>
+          <p:nvPr>
+            <p:ph idx="1"/>
+          </p:nvPr>
+        </p:nvSpPr>
+        <p:spPr/>
+        <p:txBody>
+          <a:bodyPr/>
+          <a:lstStyle/>
+          <a:p>
+            <a:pPr marL="0" indent="0">
+              <a:buNone/>
+            </a:pPr>
+            <a:r>
+              <a:rPr lang="zh-TW" altLang="en-US"/>
+              <a:t>用原本的</a:t>
+            </a:r>
+            <a:r>
+              <a:rPr lang="en-US" altLang="zh-TW"/>
+              <a:t>sequence diagram</a:t>
+            </a:r>
+            <a:endParaRPr lang="en-US" altLang="zh-TW"/>
+          </a:p>
+        </p:txBody>
+      </p:sp>
+    </p:spTree>
   </p:cSld>
   <p:clrMapOvr>
     <a:masterClrMapping/>
@@ -3285,7 +4405,7 @@
     </a:clrScheme>
     <a:fontScheme name="Office">
       <a:majorFont>
-        <a:latin typeface="Calibri Light" panose="020F0302020204030204"/>
+        <a:latin typeface="Calibri Light"/>
         <a:ea typeface=""/>
         <a:cs typeface=""/>
         <a:font script="Jpan" typeface="游ゴシック Light"/>
@@ -3320,7 +4440,7 @@
         <a:font script="Geor" typeface="Sylfaen"/>
       </a:majorFont>
       <a:minorFont>
-        <a:latin typeface="Calibri" panose="020F0502020204030204"/>
+        <a:latin typeface="Calibri"/>
         <a:ea typeface=""/>
         <a:cs typeface=""/>
         <a:font script="Jpan" typeface="游ゴシック"/>
@@ -3493,8 +4613,6 @@
       </a:bgFillStyleLst>
     </a:fmtScheme>
   </a:themeElements>
-  <a:objectDefaults/>
-  <a:extraClrSchemeLst/>
   <a:extLst>
     <a:ext uri="{05A4C25C-085E-4340-85A3-A5531E510DB2}">
       <thm15:themeFamily xmlns:thm15="http://schemas.microsoft.com/office/thememl/2012/main" name="Office Theme" id="{62F939B6-93AF-4DB8-9C6B-D6C7DFDC589F}" vid="{4A3C46E8-61CC-4603-A589-7422A47A8E4A}"/>
